--- a/docs/Structure_of_the_app.pptx
+++ b/docs/Structure_of_the_app.pptx
@@ -210,7 +210,7 @@
           <a:p>
             <a:fld id="{81A43072-CEF2-0346-96A0-32EE5758D126}" type="datetimeFigureOut">
               <a:rPr lang="fr-FR" smtClean="0"/>
-              <a:t>05/06/2024</a:t>
+              <a:t>18/05/2025</a:t>
             </a:fld>
             <a:endParaRPr lang="fr-FR"/>
           </a:p>
@@ -792,7 +792,7 @@
           <a:p>
             <a:fld id="{97239575-19C7-4932-B466-D6A5BCD29D08}" type="datetimeFigureOut">
               <a:rPr lang="fr-FR" smtClean="0"/>
-              <a:t>05/06/2024</a:t>
+              <a:t>18/05/2025</a:t>
             </a:fld>
             <a:endParaRPr lang="fr-FR"/>
           </a:p>
@@ -990,7 +990,7 @@
           <a:p>
             <a:fld id="{97239575-19C7-4932-B466-D6A5BCD29D08}" type="datetimeFigureOut">
               <a:rPr lang="fr-FR" smtClean="0"/>
-              <a:t>05/06/2024</a:t>
+              <a:t>18/05/2025</a:t>
             </a:fld>
             <a:endParaRPr lang="fr-FR"/>
           </a:p>
@@ -1198,7 +1198,7 @@
           <a:p>
             <a:fld id="{97239575-19C7-4932-B466-D6A5BCD29D08}" type="datetimeFigureOut">
               <a:rPr lang="fr-FR" smtClean="0"/>
-              <a:t>05/06/2024</a:t>
+              <a:t>18/05/2025</a:t>
             </a:fld>
             <a:endParaRPr lang="fr-FR"/>
           </a:p>
@@ -1396,7 +1396,7 @@
           <a:p>
             <a:fld id="{97239575-19C7-4932-B466-D6A5BCD29D08}" type="datetimeFigureOut">
               <a:rPr lang="fr-FR" smtClean="0"/>
-              <a:t>05/06/2024</a:t>
+              <a:t>18/05/2025</a:t>
             </a:fld>
             <a:endParaRPr lang="fr-FR"/>
           </a:p>
@@ -1671,7 +1671,7 @@
           <a:p>
             <a:fld id="{97239575-19C7-4932-B466-D6A5BCD29D08}" type="datetimeFigureOut">
               <a:rPr lang="fr-FR" smtClean="0"/>
-              <a:t>05/06/2024</a:t>
+              <a:t>18/05/2025</a:t>
             </a:fld>
             <a:endParaRPr lang="fr-FR"/>
           </a:p>
@@ -1936,7 +1936,7 @@
           <a:p>
             <a:fld id="{97239575-19C7-4932-B466-D6A5BCD29D08}" type="datetimeFigureOut">
               <a:rPr lang="fr-FR" smtClean="0"/>
-              <a:t>05/06/2024</a:t>
+              <a:t>18/05/2025</a:t>
             </a:fld>
             <a:endParaRPr lang="fr-FR"/>
           </a:p>
@@ -2348,7 +2348,7 @@
           <a:p>
             <a:fld id="{97239575-19C7-4932-B466-D6A5BCD29D08}" type="datetimeFigureOut">
               <a:rPr lang="fr-FR" smtClean="0"/>
-              <a:t>05/06/2024</a:t>
+              <a:t>18/05/2025</a:t>
             </a:fld>
             <a:endParaRPr lang="fr-FR"/>
           </a:p>
@@ -2489,7 +2489,7 @@
           <a:p>
             <a:fld id="{97239575-19C7-4932-B466-D6A5BCD29D08}" type="datetimeFigureOut">
               <a:rPr lang="fr-FR" smtClean="0"/>
-              <a:t>05/06/2024</a:t>
+              <a:t>18/05/2025</a:t>
             </a:fld>
             <a:endParaRPr lang="fr-FR"/>
           </a:p>
@@ -2602,7 +2602,7 @@
           <a:p>
             <a:fld id="{97239575-19C7-4932-B466-D6A5BCD29D08}" type="datetimeFigureOut">
               <a:rPr lang="fr-FR" smtClean="0"/>
-              <a:t>05/06/2024</a:t>
+              <a:t>18/05/2025</a:t>
             </a:fld>
             <a:endParaRPr lang="fr-FR"/>
           </a:p>
@@ -2913,7 +2913,7 @@
           <a:p>
             <a:fld id="{97239575-19C7-4932-B466-D6A5BCD29D08}" type="datetimeFigureOut">
               <a:rPr lang="fr-FR" smtClean="0"/>
-              <a:t>05/06/2024</a:t>
+              <a:t>18/05/2025</a:t>
             </a:fld>
             <a:endParaRPr lang="fr-FR"/>
           </a:p>
@@ -3201,7 +3201,7 @@
           <a:p>
             <a:fld id="{97239575-19C7-4932-B466-D6A5BCD29D08}" type="datetimeFigureOut">
               <a:rPr lang="fr-FR" smtClean="0"/>
-              <a:t>05/06/2024</a:t>
+              <a:t>18/05/2025</a:t>
             </a:fld>
             <a:endParaRPr lang="fr-FR"/>
           </a:p>
@@ -3442,7 +3442,7 @@
           <a:p>
             <a:fld id="{97239575-19C7-4932-B466-D6A5BCD29D08}" type="datetimeFigureOut">
               <a:rPr lang="fr-FR" smtClean="0"/>
-              <a:t>05/06/2024</a:t>
+              <a:t>18/05/2025</a:t>
             </a:fld>
             <a:endParaRPr lang="fr-FR"/>
           </a:p>
@@ -4406,7 +4406,7 @@
         <p:spPr>
           <a:xfrm>
             <a:off x="9579421" y="1662592"/>
-            <a:ext cx="2114868" cy="1592672"/>
+            <a:ext cx="2114868" cy="3732368"/>
           </a:xfrm>
           <a:prstGeom prst="rect">
             <a:avLst/>
@@ -4446,7 +4446,7 @@
           </a:fontRef>
         </p:style>
         <p:txBody>
-          <a:bodyPr rtlCol="0" anchor="ctr"/>
+          <a:bodyPr rtlCol="0" anchor="t"/>
           <a:lstStyle/>
           <a:p>
             <a:pPr algn="ctr"/>
@@ -4543,6 +4543,17 @@
                 </a:solidFill>
               </a:rPr>
               <a:t>Dorian MENDES (2024)</a:t>
+            </a:r>
+          </a:p>
+          <a:p>
+            <a:pPr algn="ctr"/>
+            <a:r>
+              <a:rPr lang="fr-FR" sz="1400" dirty="0">
+                <a:solidFill>
+                  <a:srgbClr val="002060"/>
+                </a:solidFill>
+              </a:rPr>
+              <a:t>Abdallah MRABTI (2025)</a:t>
             </a:r>
           </a:p>
         </p:txBody>
